--- a/Presentation pascal v01.pptx
+++ b/Presentation pascal v01.pptx
@@ -9,13 +9,18 @@
     <p:sldId id="263" r:id="rId3"/>
     <p:sldId id="257" r:id="rId4"/>
     <p:sldId id="259" r:id="rId5"/>
-    <p:sldId id="260" r:id="rId6"/>
-    <p:sldId id="261" r:id="rId7"/>
-    <p:sldId id="262" r:id="rId8"/>
-    <p:sldId id="258" r:id="rId9"/>
+    <p:sldId id="261" r:id="rId6"/>
+    <p:sldId id="264" r:id="rId7"/>
+    <p:sldId id="265" r:id="rId8"/>
+    <p:sldId id="266" r:id="rId9"/>
+    <p:sldId id="262" r:id="rId10"/>
+    <p:sldId id="258" r:id="rId11"/>
   </p:sldIdLst>
   <p:sldSz cx="12192000" cy="6858000"/>
   <p:notesSz cx="6858000" cy="9144000"/>
+  <p:custDataLst>
+    <p:tags r:id="rId12"/>
+  </p:custDataLst>
   <p:defaultTextStyle>
     <a:defPPr>
       <a:defRPr lang="en-US"/>
@@ -111,6 +116,11 @@
       </a:defRPr>
     </a:lvl9pPr>
   </p:defaultTextStyle>
+  <p:extLst>
+    <p:ext uri="{EFAFB233-063F-42B5-8137-9DF3F51BA10A}">
+      <p15:sldGuideLst xmlns:p15="http://schemas.microsoft.com/office/powerpoint/2012/main"/>
+    </p:ext>
+  </p:extLst>
 </p:presentation>
 </file>
 
@@ -2784,6 +2794,72 @@
           <a:chExt cx="0" cy="0"/>
         </a:xfrm>
       </p:grpSpPr>
+      <p:graphicFrame>
+        <p:nvGraphicFramePr>
+          <p:cNvPr id="8" name="Object 7" hidden="1">
+            <a:extLst>
+              <a:ext uri="{FF2B5EF4-FFF2-40B4-BE49-F238E27FC236}">
+                <a16:creationId xmlns:a16="http://schemas.microsoft.com/office/drawing/2014/main" id="{53294219-0047-5838-CDB9-31D44904CE62}"/>
+              </a:ext>
+            </a:extLst>
+          </p:cNvPr>
+          <p:cNvGraphicFramePr>
+            <a:graphicFrameLocks noChangeAspect="1"/>
+          </p:cNvGraphicFramePr>
+          <p:nvPr userDrawn="1">
+            <p:custDataLst>
+              <p:tags r:id="rId13"/>
+            </p:custDataLst>
+            <p:extLst>
+              <p:ext uri="{D42A27DB-BD31-4B8C-83A1-F6EECF244321}">
+                <p14:modId xmlns:p14="http://schemas.microsoft.com/office/powerpoint/2010/main" val="3297384271"/>
+              </p:ext>
+            </p:extLst>
+          </p:nvPr>
+        </p:nvGraphicFramePr>
+        <p:xfrm>
+          <a:off x="1588" y="1588"/>
+          <a:ext cx="1588" cy="1588"/>
+        </p:xfrm>
+        <a:graphic>
+          <a:graphicData uri="http://schemas.openxmlformats.org/presentationml/2006/ole">
+            <mc:AlternateContent xmlns:mc="http://schemas.openxmlformats.org/markup-compatibility/2006">
+              <mc:Choice xmlns:v="urn:schemas-microsoft-com:vml" Requires="v">
+                <p:oleObj name="think-cell Slide" r:id="rId14" imgW="592" imgH="591" progId="TCLayout.ActiveDocument.1">
+                  <p:embed/>
+                </p:oleObj>
+              </mc:Choice>
+              <mc:Fallback>
+                <p:oleObj name="think-cell Slide" r:id="rId14" imgW="592" imgH="591" progId="TCLayout.ActiveDocument.1">
+                  <p:embed/>
+                  <p:pic>
+                    <p:nvPicPr>
+                      <p:cNvPr id="0" name=""/>
+                      <p:cNvPicPr/>
+                      <p:nvPr/>
+                    </p:nvPicPr>
+                    <p:blipFill>
+                      <a:blip r:embed="rId15"/>
+                      <a:stretch>
+                        <a:fillRect/>
+                      </a:stretch>
+                    </p:blipFill>
+                    <p:spPr>
+                      <a:xfrm>
+                        <a:off x="1588" y="1588"/>
+                        <a:ext cx="1588" cy="1588"/>
+                      </a:xfrm>
+                      <a:prstGeom prst="rect">
+                        <a:avLst/>
+                      </a:prstGeom>
+                    </p:spPr>
+                  </p:pic>
+                </p:oleObj>
+              </mc:Fallback>
+            </mc:AlternateContent>
+          </a:graphicData>
+        </a:graphic>
+      </p:graphicFrame>
       <p:sp>
         <p:nvSpPr>
           <p:cNvPr id="2" name="Title Placeholder 1">
@@ -10500,6 +10576,267 @@
 </p:sld>
 </file>
 
+<file path=ppt/slides/slide10.xml><?xml version="1.0" encoding="utf-8"?>
+<p:sld xmlns:a="http://schemas.openxmlformats.org/drawingml/2006/main" xmlns:r="http://schemas.openxmlformats.org/officeDocument/2006/relationships" xmlns:p="http://schemas.openxmlformats.org/presentationml/2006/main">
+  <p:cSld>
+    <p:spTree>
+      <p:nvGrpSpPr>
+        <p:cNvPr id="1" name=""/>
+        <p:cNvGrpSpPr/>
+        <p:nvPr/>
+      </p:nvGrpSpPr>
+      <p:grpSpPr>
+        <a:xfrm>
+          <a:off x="0" y="0"/>
+          <a:ext cx="0" cy="0"/>
+          <a:chOff x="0" y="0"/>
+          <a:chExt cx="0" cy="0"/>
+        </a:xfrm>
+      </p:grpSpPr>
+      <p:sp>
+        <p:nvSpPr>
+          <p:cNvPr id="2" name="Title 1">
+            <a:extLst>
+              <a:ext uri="{FF2B5EF4-FFF2-40B4-BE49-F238E27FC236}">
+                <a16:creationId xmlns:a16="http://schemas.microsoft.com/office/drawing/2014/main" id="{9D4C159F-DD32-F307-105A-FED39D2BD9AB}"/>
+              </a:ext>
+            </a:extLst>
+          </p:cNvPr>
+          <p:cNvSpPr>
+            <a:spLocks noGrp="1"/>
+          </p:cNvSpPr>
+          <p:nvPr>
+            <p:ph type="title"/>
+          </p:nvPr>
+        </p:nvSpPr>
+        <p:spPr>
+          <a:xfrm>
+            <a:off x="838200" y="365126"/>
+            <a:ext cx="10515600" cy="708666"/>
+          </a:xfrm>
+        </p:spPr>
+        <p:txBody>
+          <a:bodyPr/>
+          <a:lstStyle/>
+          <a:p>
+            <a:r>
+              <a:rPr lang="en-US" dirty="0"/>
+              <a:t>Recommendations</a:t>
+            </a:r>
+            <a:endParaRPr lang="en-GB" dirty="0"/>
+          </a:p>
+        </p:txBody>
+      </p:sp>
+      <p:sp>
+        <p:nvSpPr>
+          <p:cNvPr id="4" name="Rectangle: Diagonal Corners Rounded 3">
+            <a:extLst>
+              <a:ext uri="{FF2B5EF4-FFF2-40B4-BE49-F238E27FC236}">
+                <a16:creationId xmlns:a16="http://schemas.microsoft.com/office/drawing/2014/main" id="{575AB140-9F4B-5912-0EDB-3154CBC0E4D3}"/>
+              </a:ext>
+            </a:extLst>
+          </p:cNvPr>
+          <p:cNvSpPr/>
+          <p:nvPr/>
+        </p:nvSpPr>
+        <p:spPr>
+          <a:xfrm>
+            <a:off x="838200" y="1437906"/>
+            <a:ext cx="7423097" cy="1107947"/>
+          </a:xfrm>
+          <a:prstGeom prst="round2DiagRect">
+            <a:avLst/>
+          </a:prstGeom>
+          <a:solidFill>
+            <a:schemeClr val="accent1">
+              <a:lumMod val="20000"/>
+              <a:lumOff val="80000"/>
+            </a:schemeClr>
+          </a:solidFill>
+          <a:ln>
+            <a:solidFill>
+              <a:schemeClr val="bg2"/>
+            </a:solidFill>
+          </a:ln>
+        </p:spPr>
+        <p:style>
+          <a:lnRef idx="2">
+            <a:schemeClr val="accent1">
+              <a:shade val="50000"/>
+            </a:schemeClr>
+          </a:lnRef>
+          <a:fillRef idx="1">
+            <a:schemeClr val="accent1"/>
+          </a:fillRef>
+          <a:effectRef idx="0">
+            <a:schemeClr val="accent1"/>
+          </a:effectRef>
+          <a:fontRef idx="minor">
+            <a:schemeClr val="lt1"/>
+          </a:fontRef>
+        </p:style>
+        <p:txBody>
+          <a:bodyPr rtlCol="0" anchor="ctr"/>
+          <a:lstStyle/>
+          <a:p>
+            <a:pPr algn="ctr"/>
+            <a:r>
+              <a:rPr lang="en-GB" sz="2000" dirty="0">
+                <a:solidFill>
+                  <a:schemeClr val="tx1"/>
+                </a:solidFill>
+              </a:rPr>
+              <a:t>Microsoft should consider investing in BV and Wb studios as they are the top two selling studios</a:t>
+            </a:r>
+          </a:p>
+        </p:txBody>
+      </p:sp>
+      <p:sp>
+        <p:nvSpPr>
+          <p:cNvPr id="5" name="Rectangle: Diagonal Corners Rounded 4">
+            <a:extLst>
+              <a:ext uri="{FF2B5EF4-FFF2-40B4-BE49-F238E27FC236}">
+                <a16:creationId xmlns:a16="http://schemas.microsoft.com/office/drawing/2014/main" id="{D9243B81-D926-83E5-9AB0-86F162A9A5BC}"/>
+              </a:ext>
+            </a:extLst>
+          </p:cNvPr>
+          <p:cNvSpPr/>
+          <p:nvPr/>
+        </p:nvSpPr>
+        <p:spPr>
+          <a:xfrm>
+            <a:off x="1272686" y="2545853"/>
+            <a:ext cx="7423097" cy="1107947"/>
+          </a:xfrm>
+          <a:prstGeom prst="round2DiagRect">
+            <a:avLst/>
+          </a:prstGeom>
+          <a:solidFill>
+            <a:schemeClr val="accent1">
+              <a:lumMod val="20000"/>
+              <a:lumOff val="80000"/>
+            </a:schemeClr>
+          </a:solidFill>
+          <a:ln>
+            <a:solidFill>
+              <a:schemeClr val="bg2"/>
+            </a:solidFill>
+          </a:ln>
+        </p:spPr>
+        <p:style>
+          <a:lnRef idx="2">
+            <a:schemeClr val="accent1">
+              <a:shade val="50000"/>
+            </a:schemeClr>
+          </a:lnRef>
+          <a:fillRef idx="1">
+            <a:schemeClr val="accent1"/>
+          </a:fillRef>
+          <a:effectRef idx="0">
+            <a:schemeClr val="accent1"/>
+          </a:effectRef>
+          <a:fontRef idx="minor">
+            <a:schemeClr val="lt1"/>
+          </a:fontRef>
+        </p:style>
+        <p:txBody>
+          <a:bodyPr rtlCol="0" anchor="ctr"/>
+          <a:lstStyle/>
+          <a:p>
+            <a:pPr algn="ctr"/>
+            <a:r>
+              <a:rPr lang="en-US" sz="2000" dirty="0">
+                <a:solidFill>
+                  <a:schemeClr val="tx1"/>
+                </a:solidFill>
+              </a:rPr>
+              <a:t>To invest domestically, they should put more focus on the BV studios </a:t>
+            </a:r>
+            <a:endParaRPr lang="en-GB" sz="2000" dirty="0">
+              <a:solidFill>
+                <a:schemeClr val="tx1"/>
+              </a:solidFill>
+            </a:endParaRPr>
+          </a:p>
+        </p:txBody>
+      </p:sp>
+      <p:sp>
+        <p:nvSpPr>
+          <p:cNvPr id="6" name="Rectangle: Diagonal Corners Rounded 5">
+            <a:extLst>
+              <a:ext uri="{FF2B5EF4-FFF2-40B4-BE49-F238E27FC236}">
+                <a16:creationId xmlns:a16="http://schemas.microsoft.com/office/drawing/2014/main" id="{49694D20-5FCF-F0F0-A9D2-D8118C4A7054}"/>
+              </a:ext>
+            </a:extLst>
+          </p:cNvPr>
+          <p:cNvSpPr/>
+          <p:nvPr/>
+        </p:nvSpPr>
+        <p:spPr>
+          <a:xfrm>
+            <a:off x="1834273" y="3653800"/>
+            <a:ext cx="7423097" cy="1107947"/>
+          </a:xfrm>
+          <a:prstGeom prst="round2DiagRect">
+            <a:avLst/>
+          </a:prstGeom>
+          <a:solidFill>
+            <a:schemeClr val="accent1">
+              <a:lumMod val="20000"/>
+              <a:lumOff val="80000"/>
+            </a:schemeClr>
+          </a:solidFill>
+          <a:ln>
+            <a:solidFill>
+              <a:schemeClr val="bg2"/>
+            </a:solidFill>
+          </a:ln>
+        </p:spPr>
+        <p:style>
+          <a:lnRef idx="2">
+            <a:schemeClr val="accent1">
+              <a:shade val="50000"/>
+            </a:schemeClr>
+          </a:lnRef>
+          <a:fillRef idx="1">
+            <a:schemeClr val="accent1"/>
+          </a:fillRef>
+          <a:effectRef idx="0">
+            <a:schemeClr val="accent1"/>
+          </a:effectRef>
+          <a:fontRef idx="minor">
+            <a:schemeClr val="lt1"/>
+          </a:fontRef>
+        </p:style>
+        <p:txBody>
+          <a:bodyPr rtlCol="0" anchor="ctr"/>
+          <a:lstStyle/>
+          <a:p>
+            <a:pPr algn="ctr"/>
+            <a:r>
+              <a:rPr lang="en-GB" sz="2000" dirty="0">
+                <a:solidFill>
+                  <a:schemeClr val="tx1"/>
+                </a:solidFill>
+              </a:rPr>
+              <a:t>To acquire more market spaces, they should aim a rating of between 6-8 scores as the average rating is approximately 7</a:t>
+            </a:r>
+          </a:p>
+        </p:txBody>
+      </p:sp>
+    </p:spTree>
+    <p:extLst>
+      <p:ext uri="{BB962C8B-B14F-4D97-AF65-F5344CB8AC3E}">
+        <p14:creationId xmlns:p14="http://schemas.microsoft.com/office/powerpoint/2010/main" val="3969540005"/>
+      </p:ext>
+    </p:extLst>
+  </p:cSld>
+  <p:clrMapOvr>
+    <a:masterClrMapping/>
+  </p:clrMapOvr>
+</p:sld>
+</file>
+
 <file path=ppt/slides/slide2.xml><?xml version="1.0" encoding="utf-8"?>
 <p:sld xmlns:a="http://schemas.openxmlformats.org/drawingml/2006/main" xmlns:r="http://schemas.openxmlformats.org/officeDocument/2006/relationships" xmlns:p="http://schemas.openxmlformats.org/presentationml/2006/main">
   <p:cSld>
@@ -10547,6 +10884,101 @@
               <a:rPr lang="en-US" dirty="0"/>
               <a:t>Introduction</a:t>
             </a:r>
+            <a:endParaRPr lang="en-GB" dirty="0"/>
+          </a:p>
+        </p:txBody>
+      </p:sp>
+      <p:sp>
+        <p:nvSpPr>
+          <p:cNvPr id="3" name="Rectangle: Diagonal Corners Rounded 2">
+            <a:extLst>
+              <a:ext uri="{FF2B5EF4-FFF2-40B4-BE49-F238E27FC236}">
+                <a16:creationId xmlns:a16="http://schemas.microsoft.com/office/drawing/2014/main" id="{2700CA71-801E-EDCA-0227-F6AECCE6AAFD}"/>
+              </a:ext>
+            </a:extLst>
+          </p:cNvPr>
+          <p:cNvSpPr/>
+          <p:nvPr/>
+        </p:nvSpPr>
+        <p:spPr>
+          <a:xfrm>
+            <a:off x="483080" y="1777041"/>
+            <a:ext cx="10870720" cy="1587261"/>
+          </a:xfrm>
+          <a:prstGeom prst="round2DiagRect">
+            <a:avLst/>
+          </a:prstGeom>
+          <a:solidFill>
+            <a:schemeClr val="accent1">
+              <a:lumMod val="20000"/>
+              <a:lumOff val="80000"/>
+            </a:schemeClr>
+          </a:solidFill>
+        </p:spPr>
+        <p:style>
+          <a:lnRef idx="2">
+            <a:schemeClr val="accent1">
+              <a:shade val="50000"/>
+            </a:schemeClr>
+          </a:lnRef>
+          <a:fillRef idx="1">
+            <a:schemeClr val="accent1"/>
+          </a:fillRef>
+          <a:effectRef idx="0">
+            <a:schemeClr val="accent1"/>
+          </a:effectRef>
+          <a:fontRef idx="minor">
+            <a:schemeClr val="lt1"/>
+          </a:fontRef>
+        </p:style>
+        <p:txBody>
+          <a:bodyPr rtlCol="0" anchor="ctr"/>
+          <a:lstStyle/>
+          <a:p>
+            <a:pPr indent="-228600">
+              <a:lnSpc>
+                <a:spcPct val="90000"/>
+              </a:lnSpc>
+              <a:spcAft>
+                <a:spcPts val="600"/>
+              </a:spcAft>
+              <a:buFont typeface="Arial" panose="020B0604020202020204" pitchFamily="34" charset="0"/>
+              <a:buChar char="•"/>
+            </a:pPr>
+            <a:r>
+              <a:rPr lang="en-GB" sz="2000" dirty="0">
+                <a:solidFill>
+                  <a:schemeClr val="tx1"/>
+                </a:solidFill>
+              </a:rPr>
+              <a:t>Microsoft Corporation is an American multinational technology corporation producing computer software, consumer electronics, personal computers, and related services.</a:t>
+            </a:r>
+          </a:p>
+          <a:p>
+            <a:pPr indent="-228600">
+              <a:lnSpc>
+                <a:spcPct val="90000"/>
+              </a:lnSpc>
+              <a:spcAft>
+                <a:spcPts val="600"/>
+              </a:spcAft>
+              <a:buFont typeface="Arial" panose="020B0604020202020204" pitchFamily="34" charset="0"/>
+              <a:buChar char="•"/>
+            </a:pPr>
+            <a:r>
+              <a:rPr lang="en-GB" sz="2000" dirty="0">
+                <a:solidFill>
+                  <a:schemeClr val="tx1"/>
+                </a:solidFill>
+              </a:rPr>
+              <a:t>Microsoft's best-known software products are the Windows line of operating systems, the Microsoft Office suite, and the Internet Explorer and Edge web browsers.</a:t>
+            </a:r>
+          </a:p>
+          <a:p>
+            <a:pPr marL="285750" indent="-285750">
+              <a:buFont typeface="Wingdings" panose="05000000000000000000" pitchFamily="2" charset="2"/>
+              <a:buChar char="q"/>
+            </a:pPr>
             <a:endParaRPr lang="en-GB" dirty="0"/>
           </a:p>
         </p:txBody>
@@ -10915,12 +11347,18 @@
         </p:nvSpPr>
         <p:spPr>
           <a:xfrm>
-            <a:off x="590719" y="2330505"/>
-            <a:ext cx="4559425" cy="3979585"/>
+            <a:off x="590719" y="2330506"/>
+            <a:ext cx="4559425" cy="3975404"/>
           </a:xfrm>
           <a:prstGeom prst="round2DiagRect">
             <a:avLst/>
           </a:prstGeom>
+          <a:solidFill>
+            <a:schemeClr val="accent1">
+              <a:lumMod val="20000"/>
+              <a:lumOff val="80000"/>
+            </a:schemeClr>
+          </a:solidFill>
         </p:spPr>
         <p:style>
           <a:lnRef idx="2">
@@ -10955,7 +11393,7 @@
               <a:buChar char="•"/>
             </a:pPr>
             <a:r>
-              <a:rPr lang="en-US" sz="2000">
+              <a:rPr lang="en-US" sz="2000" dirty="0">
                 <a:solidFill>
                   <a:schemeClr val="tx1"/>
                 </a:solidFill>
@@ -12077,10 +12515,217 @@
           <a:chExt cx="0" cy="0"/>
         </a:xfrm>
       </p:grpSpPr>
+      <p:graphicFrame>
+        <p:nvGraphicFramePr>
+          <p:cNvPr id="6" name="Object 5" hidden="1">
+            <a:extLst>
+              <a:ext uri="{FF2B5EF4-FFF2-40B4-BE49-F238E27FC236}">
+                <a16:creationId xmlns:a16="http://schemas.microsoft.com/office/drawing/2014/main" id="{EF301453-AC11-4078-8350-5D702B2D0FDE}"/>
+              </a:ext>
+            </a:extLst>
+          </p:cNvPr>
+          <p:cNvGraphicFramePr>
+            <a:graphicFrameLocks noChangeAspect="1"/>
+          </p:cNvGraphicFramePr>
+          <p:nvPr>
+            <p:custDataLst>
+              <p:tags r:id="rId1"/>
+            </p:custDataLst>
+            <p:extLst>
+              <p:ext uri="{D42A27DB-BD31-4B8C-83A1-F6EECF244321}">
+                <p14:modId xmlns:p14="http://schemas.microsoft.com/office/powerpoint/2010/main" val="2149389131"/>
+              </p:ext>
+            </p:extLst>
+          </p:nvPr>
+        </p:nvGraphicFramePr>
+        <p:xfrm>
+          <a:off x="1588" y="1588"/>
+          <a:ext cx="1588" cy="1588"/>
+        </p:xfrm>
+        <a:graphic>
+          <a:graphicData uri="http://schemas.openxmlformats.org/presentationml/2006/ole">
+            <mc:AlternateContent xmlns:mc="http://schemas.openxmlformats.org/markup-compatibility/2006">
+              <mc:Choice xmlns:v="urn:schemas-microsoft-com:vml" Requires="v">
+                <p:oleObj name="think-cell Slide" r:id="rId3" imgW="592" imgH="591" progId="TCLayout.ActiveDocument.1">
+                  <p:embed/>
+                </p:oleObj>
+              </mc:Choice>
+              <mc:Fallback>
+                <p:oleObj name="think-cell Slide" r:id="rId3" imgW="592" imgH="591" progId="TCLayout.ActiveDocument.1">
+                  <p:embed/>
+                  <p:pic>
+                    <p:nvPicPr>
+                      <p:cNvPr id="0" name=""/>
+                      <p:cNvPicPr/>
+                      <p:nvPr/>
+                    </p:nvPicPr>
+                    <p:blipFill>
+                      <a:blip r:embed="rId4"/>
+                      <a:stretch>
+                        <a:fillRect/>
+                      </a:stretch>
+                    </p:blipFill>
+                    <p:spPr>
+                      <a:xfrm>
+                        <a:off x="1588" y="1588"/>
+                        <a:ext cx="1588" cy="1588"/>
+                      </a:xfrm>
+                      <a:prstGeom prst="rect">
+                        <a:avLst/>
+                      </a:prstGeom>
+                    </p:spPr>
+                  </p:pic>
+                </p:oleObj>
+              </mc:Fallback>
+            </mc:AlternateContent>
+          </a:graphicData>
+        </a:graphic>
+      </p:graphicFrame>
+      <p:sp>
+        <p:nvSpPr>
+          <p:cNvPr id="2" name="Title 1">
+            <a:extLst>
+              <a:ext uri="{FF2B5EF4-FFF2-40B4-BE49-F238E27FC236}">
+                <a16:creationId xmlns:a16="http://schemas.microsoft.com/office/drawing/2014/main" id="{A05062DD-9568-FE1A-6A25-A7EE85C3CDB4}"/>
+              </a:ext>
+            </a:extLst>
+          </p:cNvPr>
+          <p:cNvSpPr>
+            <a:spLocks noGrp="1"/>
+          </p:cNvSpPr>
+          <p:nvPr>
+            <p:ph type="title"/>
+          </p:nvPr>
+        </p:nvSpPr>
+        <p:spPr>
+          <a:xfrm>
+            <a:off x="838200" y="131662"/>
+            <a:ext cx="10515600" cy="889742"/>
+          </a:xfrm>
+        </p:spPr>
+        <p:txBody>
+          <a:bodyPr vert="horz">
+            <a:normAutofit fontScale="90000"/>
+          </a:bodyPr>
+          <a:lstStyle/>
+          <a:p>
+            <a:r>
+              <a:rPr lang="en-GB" dirty="0"/>
+              <a:t>Visualization of the top ten studio by the domestic gross income</a:t>
+            </a:r>
+          </a:p>
+        </p:txBody>
+      </p:sp>
+      <p:sp>
+        <p:nvSpPr>
+          <p:cNvPr id="14" name="Rectangle: Diagonal Corners Rounded 13">
+            <a:extLst>
+              <a:ext uri="{FF2B5EF4-FFF2-40B4-BE49-F238E27FC236}">
+                <a16:creationId xmlns:a16="http://schemas.microsoft.com/office/drawing/2014/main" id="{724D5E40-8D18-24B4-EAB4-5C35BD26407A}"/>
+              </a:ext>
+            </a:extLst>
+          </p:cNvPr>
+          <p:cNvSpPr/>
+          <p:nvPr/>
+        </p:nvSpPr>
+        <p:spPr>
+          <a:xfrm>
+            <a:off x="7147162" y="1873306"/>
+            <a:ext cx="4784857" cy="558609"/>
+          </a:xfrm>
+          <a:prstGeom prst="round2DiagRect">
+            <a:avLst/>
+          </a:prstGeom>
+          <a:solidFill>
+            <a:schemeClr val="accent1">
+              <a:lumMod val="20000"/>
+              <a:lumOff val="80000"/>
+            </a:schemeClr>
+          </a:solidFill>
+        </p:spPr>
+        <p:style>
+          <a:lnRef idx="2">
+            <a:schemeClr val="accent1">
+              <a:shade val="50000"/>
+            </a:schemeClr>
+          </a:lnRef>
+          <a:fillRef idx="1">
+            <a:schemeClr val="accent1"/>
+          </a:fillRef>
+          <a:effectRef idx="0">
+            <a:schemeClr val="accent1"/>
+          </a:effectRef>
+          <a:fontRef idx="minor">
+            <a:schemeClr val="lt1"/>
+          </a:fontRef>
+        </p:style>
+        <p:txBody>
+          <a:bodyPr vert="horz" lIns="91440" tIns="45720" rIns="91440" bIns="45720" rtlCol="0" anchor="ctr">
+            <a:normAutofit fontScale="85000" lnSpcReduction="20000"/>
+          </a:bodyPr>
+          <a:lstStyle/>
+          <a:p>
+            <a:pPr indent="-228600">
+              <a:lnSpc>
+                <a:spcPct val="90000"/>
+              </a:lnSpc>
+              <a:spcAft>
+                <a:spcPts val="600"/>
+              </a:spcAft>
+              <a:buFont typeface="Arial" panose="020B0604020202020204" pitchFamily="34" charset="0"/>
+              <a:buChar char="•"/>
+            </a:pPr>
+            <a:r>
+              <a:rPr lang="en-US" sz="2000" dirty="0">
+                <a:solidFill>
+                  <a:schemeClr val="tx1"/>
+                </a:solidFill>
+              </a:rPr>
+              <a:t> BV and WB studios are top two studios that is vested in the dataset</a:t>
+            </a:r>
+          </a:p>
+        </p:txBody>
+      </p:sp>
+      <p:pic>
+        <p:nvPicPr>
+          <p:cNvPr id="25" name="Picture 24" descr="Chart&#10;&#10;Description automatically generated">
+            <a:extLst>
+              <a:ext uri="{FF2B5EF4-FFF2-40B4-BE49-F238E27FC236}">
+                <a16:creationId xmlns:a16="http://schemas.microsoft.com/office/drawing/2014/main" id="{B8EA8795-A036-7450-8563-F70CE378B1D1}"/>
+              </a:ext>
+            </a:extLst>
+          </p:cNvPr>
+          <p:cNvPicPr>
+            <a:picLocks noChangeAspect="1"/>
+          </p:cNvPicPr>
+          <p:nvPr/>
+        </p:nvPicPr>
+        <p:blipFill>
+          <a:blip r:embed="rId5">
+            <a:extLst>
+              <a:ext uri="{28A0092B-C50C-407E-A947-70E740481C1C}">
+                <a14:useLocalDpi xmlns:a14="http://schemas.microsoft.com/office/drawing/2010/main" val="0"/>
+              </a:ext>
+            </a:extLst>
+          </a:blip>
+          <a:stretch>
+            <a:fillRect/>
+          </a:stretch>
+        </p:blipFill>
+        <p:spPr>
+          <a:xfrm>
+            <a:off x="697725" y="1479094"/>
+            <a:ext cx="6325645" cy="5247244"/>
+          </a:xfrm>
+          <a:prstGeom prst="rect">
+            <a:avLst/>
+          </a:prstGeom>
+        </p:spPr>
+      </p:pic>
     </p:spTree>
     <p:extLst>
       <p:ext uri="{BB962C8B-B14F-4D97-AF65-F5344CB8AC3E}">
-        <p14:creationId xmlns:p14="http://schemas.microsoft.com/office/powerpoint/2010/main" val="3328184265"/>
+        <p14:creationId xmlns:p14="http://schemas.microsoft.com/office/powerpoint/2010/main" val="779420839"/>
       </p:ext>
     </p:extLst>
   </p:cSld>
@@ -12107,12 +12752,78 @@
           <a:chExt cx="0" cy="0"/>
         </a:xfrm>
       </p:grpSpPr>
+      <p:graphicFrame>
+        <p:nvGraphicFramePr>
+          <p:cNvPr id="6" name="Object 5" hidden="1">
+            <a:extLst>
+              <a:ext uri="{FF2B5EF4-FFF2-40B4-BE49-F238E27FC236}">
+                <a16:creationId xmlns:a16="http://schemas.microsoft.com/office/drawing/2014/main" id="{DCE9E125-C21E-2091-429D-F712748FDF04}"/>
+              </a:ext>
+            </a:extLst>
+          </p:cNvPr>
+          <p:cNvGraphicFramePr>
+            <a:graphicFrameLocks noChangeAspect="1"/>
+          </p:cNvGraphicFramePr>
+          <p:nvPr>
+            <p:custDataLst>
+              <p:tags r:id="rId1"/>
+            </p:custDataLst>
+            <p:extLst>
+              <p:ext uri="{D42A27DB-BD31-4B8C-83A1-F6EECF244321}">
+                <p14:modId xmlns:p14="http://schemas.microsoft.com/office/powerpoint/2010/main" val="3161122240"/>
+              </p:ext>
+            </p:extLst>
+          </p:nvPr>
+        </p:nvGraphicFramePr>
+        <p:xfrm>
+          <a:off x="1588" y="1588"/>
+          <a:ext cx="1588" cy="1588"/>
+        </p:xfrm>
+        <a:graphic>
+          <a:graphicData uri="http://schemas.openxmlformats.org/presentationml/2006/ole">
+            <mc:AlternateContent xmlns:mc="http://schemas.openxmlformats.org/markup-compatibility/2006">
+              <mc:Choice xmlns:v="urn:schemas-microsoft-com:vml" Requires="v">
+                <p:oleObj name="think-cell Slide" r:id="rId3" imgW="592" imgH="591" progId="TCLayout.ActiveDocument.1">
+                  <p:embed/>
+                </p:oleObj>
+              </mc:Choice>
+              <mc:Fallback>
+                <p:oleObj name="think-cell Slide" r:id="rId3" imgW="592" imgH="591" progId="TCLayout.ActiveDocument.1">
+                  <p:embed/>
+                  <p:pic>
+                    <p:nvPicPr>
+                      <p:cNvPr id="0" name=""/>
+                      <p:cNvPicPr/>
+                      <p:nvPr/>
+                    </p:nvPicPr>
+                    <p:blipFill>
+                      <a:blip r:embed="rId4"/>
+                      <a:stretch>
+                        <a:fillRect/>
+                      </a:stretch>
+                    </p:blipFill>
+                    <p:spPr>
+                      <a:xfrm>
+                        <a:off x="1588" y="1588"/>
+                        <a:ext cx="1588" cy="1588"/>
+                      </a:xfrm>
+                      <a:prstGeom prst="rect">
+                        <a:avLst/>
+                      </a:prstGeom>
+                    </p:spPr>
+                  </p:pic>
+                </p:oleObj>
+              </mc:Fallback>
+            </mc:AlternateContent>
+          </a:graphicData>
+        </a:graphic>
+      </p:graphicFrame>
       <p:sp>
         <p:nvSpPr>
           <p:cNvPr id="2" name="Title 1">
             <a:extLst>
               <a:ext uri="{FF2B5EF4-FFF2-40B4-BE49-F238E27FC236}">
-                <a16:creationId xmlns:a16="http://schemas.microsoft.com/office/drawing/2014/main" id="{A05062DD-9568-FE1A-6A25-A7EE85C3CDB4}"/>
+                <a16:creationId xmlns:a16="http://schemas.microsoft.com/office/drawing/2014/main" id="{7A75EEB0-AFA4-7C20-F3E2-74921F6BE53E}"/>
               </a:ext>
             </a:extLst>
           </p:cNvPr>
@@ -12123,44 +12834,135 @@
             <p:ph type="title"/>
           </p:nvPr>
         </p:nvSpPr>
-        <p:spPr/>
+        <p:spPr>
+          <a:xfrm>
+            <a:off x="838200" y="365126"/>
+            <a:ext cx="10515600" cy="578458"/>
+          </a:xfrm>
+        </p:spPr>
         <p:txBody>
-          <a:bodyPr/>
+          <a:bodyPr vert="horz">
+            <a:normAutofit fontScale="90000"/>
+          </a:bodyPr>
           <a:lstStyle/>
           <a:p>
-            <a:endParaRPr lang="en-GB"/>
+            <a:r>
+              <a:rPr lang="en-GB" dirty="0"/>
+              <a:t>Top ten studios by domestic gross income</a:t>
+            </a:r>
           </a:p>
         </p:txBody>
       </p:sp>
       <p:sp>
         <p:nvSpPr>
-          <p:cNvPr id="3" name="Content Placeholder 2">
+          <p:cNvPr id="9" name="Rectangle: Diagonal Corners Rounded 8">
             <a:extLst>
               <a:ext uri="{FF2B5EF4-FFF2-40B4-BE49-F238E27FC236}">
-                <a16:creationId xmlns:a16="http://schemas.microsoft.com/office/drawing/2014/main" id="{303A22AB-4540-3954-A6BE-ACEFF6C14FD3}"/>
+                <a16:creationId xmlns:a16="http://schemas.microsoft.com/office/drawing/2014/main" id="{452D38E7-6ECD-B5AF-451F-417D3EF675E9}"/>
               </a:ext>
             </a:extLst>
           </p:cNvPr>
-          <p:cNvSpPr>
-            <a:spLocks noGrp="1"/>
-          </p:cNvSpPr>
-          <p:nvPr>
-            <p:ph idx="1"/>
-          </p:nvPr>
+          <p:cNvSpPr/>
+          <p:nvPr/>
         </p:nvSpPr>
-        <p:spPr/>
+        <p:spPr>
+          <a:xfrm>
+            <a:off x="7830766" y="1610659"/>
+            <a:ext cx="4101253" cy="558609"/>
+          </a:xfrm>
+          <a:prstGeom prst="round2DiagRect">
+            <a:avLst/>
+          </a:prstGeom>
+          <a:solidFill>
+            <a:schemeClr val="accent1">
+              <a:lumMod val="20000"/>
+              <a:lumOff val="80000"/>
+            </a:schemeClr>
+          </a:solidFill>
+        </p:spPr>
+        <p:style>
+          <a:lnRef idx="2">
+            <a:schemeClr val="accent1">
+              <a:shade val="50000"/>
+            </a:schemeClr>
+          </a:lnRef>
+          <a:fillRef idx="1">
+            <a:schemeClr val="accent1"/>
+          </a:fillRef>
+          <a:effectRef idx="0">
+            <a:schemeClr val="accent1"/>
+          </a:effectRef>
+          <a:fontRef idx="minor">
+            <a:schemeClr val="lt1"/>
+          </a:fontRef>
+        </p:style>
         <p:txBody>
-          <a:bodyPr/>
+          <a:bodyPr vert="horz" lIns="91440" tIns="45720" rIns="91440" bIns="45720" rtlCol="0" anchor="ctr">
+            <a:normAutofit fontScale="85000" lnSpcReduction="20000"/>
+          </a:bodyPr>
           <a:lstStyle/>
           <a:p>
-            <a:endParaRPr lang="en-GB"/>
+            <a:pPr indent="-228600">
+              <a:lnSpc>
+                <a:spcPct val="90000"/>
+              </a:lnSpc>
+              <a:spcAft>
+                <a:spcPts val="600"/>
+              </a:spcAft>
+              <a:buFont typeface="Arial" panose="020B0604020202020204" pitchFamily="34" charset="0"/>
+              <a:buChar char="•"/>
+            </a:pPr>
+            <a:r>
+              <a:rPr lang="en-US" sz="2000" dirty="0">
+                <a:solidFill>
+                  <a:schemeClr val="tx1"/>
+                </a:solidFill>
+              </a:rPr>
+              <a:t> BV is the best domestic gross performing studios</a:t>
+            </a:r>
           </a:p>
         </p:txBody>
       </p:sp>
+      <p:pic>
+        <p:nvPicPr>
+          <p:cNvPr id="18" name="Picture 17" descr="Chart, histogram&#10;&#10;Description automatically generated">
+            <a:extLst>
+              <a:ext uri="{FF2B5EF4-FFF2-40B4-BE49-F238E27FC236}">
+                <a16:creationId xmlns:a16="http://schemas.microsoft.com/office/drawing/2014/main" id="{526617A7-9BAE-A4DC-967C-91C07682AD94}"/>
+              </a:ext>
+            </a:extLst>
+          </p:cNvPr>
+          <p:cNvPicPr>
+            <a:picLocks noChangeAspect="1"/>
+          </p:cNvPicPr>
+          <p:nvPr/>
+        </p:nvPicPr>
+        <p:blipFill>
+          <a:blip r:embed="rId5">
+            <a:extLst>
+              <a:ext uri="{28A0092B-C50C-407E-A947-70E740481C1C}">
+                <a14:useLocalDpi xmlns:a14="http://schemas.microsoft.com/office/drawing/2010/main" val="0"/>
+              </a:ext>
+            </a:extLst>
+          </a:blip>
+          <a:stretch>
+            <a:fillRect/>
+          </a:stretch>
+        </p:blipFill>
+        <p:spPr>
+          <a:xfrm>
+            <a:off x="838200" y="1425118"/>
+            <a:ext cx="6992566" cy="5141051"/>
+          </a:xfrm>
+          <a:prstGeom prst="rect">
+            <a:avLst/>
+          </a:prstGeom>
+        </p:spPr>
+      </p:pic>
     </p:spTree>
     <p:extLst>
       <p:ext uri="{BB962C8B-B14F-4D97-AF65-F5344CB8AC3E}">
-        <p14:creationId xmlns:p14="http://schemas.microsoft.com/office/powerpoint/2010/main" val="779420839"/>
+        <p14:creationId xmlns:p14="http://schemas.microsoft.com/office/powerpoint/2010/main" val="279689270"/>
       </p:ext>
     </p:extLst>
   </p:cSld>
@@ -12187,12 +12989,78 @@
           <a:chExt cx="0" cy="0"/>
         </a:xfrm>
       </p:grpSpPr>
+      <p:graphicFrame>
+        <p:nvGraphicFramePr>
+          <p:cNvPr id="7" name="Object 6" hidden="1">
+            <a:extLst>
+              <a:ext uri="{FF2B5EF4-FFF2-40B4-BE49-F238E27FC236}">
+                <a16:creationId xmlns:a16="http://schemas.microsoft.com/office/drawing/2014/main" id="{351D11F5-BE8B-0B23-8E17-5C85C9601F15}"/>
+              </a:ext>
+            </a:extLst>
+          </p:cNvPr>
+          <p:cNvGraphicFramePr>
+            <a:graphicFrameLocks noChangeAspect="1"/>
+          </p:cNvGraphicFramePr>
+          <p:nvPr>
+            <p:custDataLst>
+              <p:tags r:id="rId1"/>
+            </p:custDataLst>
+            <p:extLst>
+              <p:ext uri="{D42A27DB-BD31-4B8C-83A1-F6EECF244321}">
+                <p14:modId xmlns:p14="http://schemas.microsoft.com/office/powerpoint/2010/main" val="926482220"/>
+              </p:ext>
+            </p:extLst>
+          </p:nvPr>
+        </p:nvGraphicFramePr>
+        <p:xfrm>
+          <a:off x="1588" y="1588"/>
+          <a:ext cx="1588" cy="1588"/>
+        </p:xfrm>
+        <a:graphic>
+          <a:graphicData uri="http://schemas.openxmlformats.org/presentationml/2006/ole">
+            <mc:AlternateContent xmlns:mc="http://schemas.openxmlformats.org/markup-compatibility/2006">
+              <mc:Choice xmlns:v="urn:schemas-microsoft-com:vml" Requires="v">
+                <p:oleObj name="think-cell Slide" r:id="rId3" imgW="592" imgH="591" progId="TCLayout.ActiveDocument.1">
+                  <p:embed/>
+                </p:oleObj>
+              </mc:Choice>
+              <mc:Fallback>
+                <p:oleObj name="think-cell Slide" r:id="rId3" imgW="592" imgH="591" progId="TCLayout.ActiveDocument.1">
+                  <p:embed/>
+                  <p:pic>
+                    <p:nvPicPr>
+                      <p:cNvPr id="0" name=""/>
+                      <p:cNvPicPr/>
+                      <p:nvPr/>
+                    </p:nvPicPr>
+                    <p:blipFill>
+                      <a:blip r:embed="rId4"/>
+                      <a:stretch>
+                        <a:fillRect/>
+                      </a:stretch>
+                    </p:blipFill>
+                    <p:spPr>
+                      <a:xfrm>
+                        <a:off x="1588" y="1588"/>
+                        <a:ext cx="1588" cy="1588"/>
+                      </a:xfrm>
+                      <a:prstGeom prst="rect">
+                        <a:avLst/>
+                      </a:prstGeom>
+                    </p:spPr>
+                  </p:pic>
+                </p:oleObj>
+              </mc:Fallback>
+            </mc:AlternateContent>
+          </a:graphicData>
+        </a:graphic>
+      </p:graphicFrame>
       <p:sp>
         <p:nvSpPr>
           <p:cNvPr id="2" name="Title 1">
             <a:extLst>
               <a:ext uri="{FF2B5EF4-FFF2-40B4-BE49-F238E27FC236}">
-                <a16:creationId xmlns:a16="http://schemas.microsoft.com/office/drawing/2014/main" id="{9560F6CB-7D21-4584-2558-AD577496535F}"/>
+                <a16:creationId xmlns:a16="http://schemas.microsoft.com/office/drawing/2014/main" id="{3148DB3F-C75C-8782-6143-521E0BEB2F49}"/>
               </a:ext>
             </a:extLst>
           </p:cNvPr>
@@ -12203,44 +13071,135 @@
             <p:ph type="title"/>
           </p:nvPr>
         </p:nvSpPr>
-        <p:spPr/>
+        <p:spPr>
+          <a:xfrm>
+            <a:off x="838200" y="365125"/>
+            <a:ext cx="10515600" cy="540649"/>
+          </a:xfrm>
+        </p:spPr>
         <p:txBody>
-          <a:bodyPr/>
+          <a:bodyPr vert="horz">
+            <a:normAutofit fontScale="90000"/>
+          </a:bodyPr>
           <a:lstStyle/>
           <a:p>
-            <a:endParaRPr lang="en-GB"/>
+            <a:r>
+              <a:rPr lang="en-GB" dirty="0"/>
+              <a:t>Top ten studios by foreign gross income</a:t>
+            </a:r>
           </a:p>
         </p:txBody>
       </p:sp>
-      <p:sp>
-        <p:nvSpPr>
-          <p:cNvPr id="3" name="Content Placeholder 2">
+      <p:pic>
+        <p:nvPicPr>
+          <p:cNvPr id="5" name="Picture 4">
             <a:extLst>
               <a:ext uri="{FF2B5EF4-FFF2-40B4-BE49-F238E27FC236}">
-                <a16:creationId xmlns:a16="http://schemas.microsoft.com/office/drawing/2014/main" id="{21920803-AF09-1419-D68F-EE241B1C2DD6}"/>
+                <a16:creationId xmlns:a16="http://schemas.microsoft.com/office/drawing/2014/main" id="{8A233859-4381-747A-3148-5A345797C0E8}"/>
               </a:ext>
             </a:extLst>
           </p:cNvPr>
-          <p:cNvSpPr>
-            <a:spLocks noGrp="1"/>
-          </p:cNvSpPr>
-          <p:nvPr>
-            <p:ph idx="1"/>
-          </p:nvPr>
+          <p:cNvPicPr>
+            <a:picLocks noChangeAspect="1"/>
+          </p:cNvPicPr>
+          <p:nvPr/>
+        </p:nvPicPr>
+        <p:blipFill>
+          <a:blip r:embed="rId5">
+            <a:extLst>
+              <a:ext uri="{28A0092B-C50C-407E-A947-70E740481C1C}">
+                <a14:useLocalDpi xmlns:a14="http://schemas.microsoft.com/office/drawing/2010/main" val="0"/>
+              </a:ext>
+            </a:extLst>
+          </a:blip>
+          <a:stretch>
+            <a:fillRect/>
+          </a:stretch>
+        </p:blipFill>
+        <p:spPr>
+          <a:xfrm>
+            <a:off x="911734" y="1414732"/>
+            <a:ext cx="5892489" cy="4796287"/>
+          </a:xfrm>
+          <a:prstGeom prst="rect">
+            <a:avLst/>
+          </a:prstGeom>
+        </p:spPr>
+      </p:pic>
+      <p:sp>
+        <p:nvSpPr>
+          <p:cNvPr id="11" name="Rectangle: Diagonal Corners Rounded 10">
+            <a:extLst>
+              <a:ext uri="{FF2B5EF4-FFF2-40B4-BE49-F238E27FC236}">
+                <a16:creationId xmlns:a16="http://schemas.microsoft.com/office/drawing/2014/main" id="{86B410ED-469A-1724-CDA8-2DC51728BAD0}"/>
+              </a:ext>
+            </a:extLst>
+          </p:cNvPr>
+          <p:cNvSpPr/>
+          <p:nvPr/>
         </p:nvSpPr>
-        <p:spPr/>
+        <p:spPr>
+          <a:xfrm>
+            <a:off x="6804223" y="1579052"/>
+            <a:ext cx="4101253" cy="558609"/>
+          </a:xfrm>
+          <a:prstGeom prst="round2DiagRect">
+            <a:avLst/>
+          </a:prstGeom>
+          <a:solidFill>
+            <a:schemeClr val="accent1">
+              <a:lumMod val="20000"/>
+              <a:lumOff val="80000"/>
+            </a:schemeClr>
+          </a:solidFill>
+        </p:spPr>
+        <p:style>
+          <a:lnRef idx="2">
+            <a:schemeClr val="accent1">
+              <a:shade val="50000"/>
+            </a:schemeClr>
+          </a:lnRef>
+          <a:fillRef idx="1">
+            <a:schemeClr val="accent1"/>
+          </a:fillRef>
+          <a:effectRef idx="0">
+            <a:schemeClr val="accent1"/>
+          </a:effectRef>
+          <a:fontRef idx="minor">
+            <a:schemeClr val="lt1"/>
+          </a:fontRef>
+        </p:style>
         <p:txBody>
-          <a:bodyPr/>
+          <a:bodyPr vert="horz" lIns="91440" tIns="45720" rIns="91440" bIns="45720" rtlCol="0" anchor="ctr">
+            <a:normAutofit fontScale="85000" lnSpcReduction="20000"/>
+          </a:bodyPr>
           <a:lstStyle/>
           <a:p>
-            <a:endParaRPr lang="en-GB"/>
+            <a:pPr indent="-228600">
+              <a:lnSpc>
+                <a:spcPct val="90000"/>
+              </a:lnSpc>
+              <a:spcAft>
+                <a:spcPts val="600"/>
+              </a:spcAft>
+              <a:buFont typeface="Arial" panose="020B0604020202020204" pitchFamily="34" charset="0"/>
+              <a:buChar char="•"/>
+            </a:pPr>
+            <a:r>
+              <a:rPr lang="en-US" sz="2000" dirty="0">
+                <a:solidFill>
+                  <a:schemeClr val="tx1"/>
+                </a:solidFill>
+              </a:rPr>
+              <a:t> IFC is the best foreign gross performing studios</a:t>
+            </a:r>
           </a:p>
         </p:txBody>
       </p:sp>
     </p:spTree>
     <p:extLst>
       <p:ext uri="{BB962C8B-B14F-4D97-AF65-F5344CB8AC3E}">
-        <p14:creationId xmlns:p14="http://schemas.microsoft.com/office/powerpoint/2010/main" val="235957673"/>
+        <p14:creationId xmlns:p14="http://schemas.microsoft.com/office/powerpoint/2010/main" val="2418332171"/>
       </p:ext>
     </p:extLst>
   </p:cSld>
@@ -12267,12 +13226,78 @@
           <a:chExt cx="0" cy="0"/>
         </a:xfrm>
       </p:grpSpPr>
+      <p:graphicFrame>
+        <p:nvGraphicFramePr>
+          <p:cNvPr id="7" name="Object 6" hidden="1">
+            <a:extLst>
+              <a:ext uri="{FF2B5EF4-FFF2-40B4-BE49-F238E27FC236}">
+                <a16:creationId xmlns:a16="http://schemas.microsoft.com/office/drawing/2014/main" id="{4E3072F0-FB1E-0FDC-571C-4DC1D46D241F}"/>
+              </a:ext>
+            </a:extLst>
+          </p:cNvPr>
+          <p:cNvGraphicFramePr>
+            <a:graphicFrameLocks noChangeAspect="1"/>
+          </p:cNvGraphicFramePr>
+          <p:nvPr>
+            <p:custDataLst>
+              <p:tags r:id="rId1"/>
+            </p:custDataLst>
+            <p:extLst>
+              <p:ext uri="{D42A27DB-BD31-4B8C-83A1-F6EECF244321}">
+                <p14:modId xmlns:p14="http://schemas.microsoft.com/office/powerpoint/2010/main" val="1874189015"/>
+              </p:ext>
+            </p:extLst>
+          </p:nvPr>
+        </p:nvGraphicFramePr>
+        <p:xfrm>
+          <a:off x="1588" y="1588"/>
+          <a:ext cx="1588" cy="1588"/>
+        </p:xfrm>
+        <a:graphic>
+          <a:graphicData uri="http://schemas.openxmlformats.org/presentationml/2006/ole">
+            <mc:AlternateContent xmlns:mc="http://schemas.openxmlformats.org/markup-compatibility/2006">
+              <mc:Choice xmlns:v="urn:schemas-microsoft-com:vml" Requires="v">
+                <p:oleObj name="think-cell Slide" r:id="rId3" imgW="592" imgH="591" progId="TCLayout.ActiveDocument.1">
+                  <p:embed/>
+                </p:oleObj>
+              </mc:Choice>
+              <mc:Fallback>
+                <p:oleObj name="think-cell Slide" r:id="rId3" imgW="592" imgH="591" progId="TCLayout.ActiveDocument.1">
+                  <p:embed/>
+                  <p:pic>
+                    <p:nvPicPr>
+                      <p:cNvPr id="0" name=""/>
+                      <p:cNvPicPr/>
+                      <p:nvPr/>
+                    </p:nvPicPr>
+                    <p:blipFill>
+                      <a:blip r:embed="rId4"/>
+                      <a:stretch>
+                        <a:fillRect/>
+                      </a:stretch>
+                    </p:blipFill>
+                    <p:spPr>
+                      <a:xfrm>
+                        <a:off x="1588" y="1588"/>
+                        <a:ext cx="1588" cy="1588"/>
+                      </a:xfrm>
+                      <a:prstGeom prst="rect">
+                        <a:avLst/>
+                      </a:prstGeom>
+                    </p:spPr>
+                  </p:pic>
+                </p:oleObj>
+              </mc:Fallback>
+            </mc:AlternateContent>
+          </a:graphicData>
+        </a:graphic>
+      </p:graphicFrame>
       <p:sp>
         <p:nvSpPr>
           <p:cNvPr id="2" name="Title 1">
             <a:extLst>
               <a:ext uri="{FF2B5EF4-FFF2-40B4-BE49-F238E27FC236}">
-                <a16:creationId xmlns:a16="http://schemas.microsoft.com/office/drawing/2014/main" id="{9D4C159F-DD32-F307-105A-FED39D2BD9AB}"/>
+                <a16:creationId xmlns:a16="http://schemas.microsoft.com/office/drawing/2014/main" id="{BA10D3ED-D0E3-1731-9143-7E7AE5A04F9E}"/>
               </a:ext>
             </a:extLst>
           </p:cNvPr>
@@ -12286,27 +13311,64 @@
         <p:spPr>
           <a:xfrm>
             <a:off x="838200" y="365126"/>
-            <a:ext cx="10515600" cy="708666"/>
+            <a:ext cx="8441987" cy="627096"/>
           </a:xfrm>
         </p:spPr>
         <p:txBody>
-          <a:bodyPr/>
+          <a:bodyPr vert="horz">
+            <a:normAutofit fontScale="90000"/>
+          </a:bodyPr>
           <a:lstStyle/>
           <a:p>
             <a:r>
-              <a:rPr lang="en-US" dirty="0"/>
-              <a:t>Recommendations</a:t>
+              <a:rPr lang="en-GB" dirty="0"/>
+              <a:t>Overall rating score</a:t>
             </a:r>
-            <a:endParaRPr lang="en-GB" dirty="0"/>
           </a:p>
         </p:txBody>
       </p:sp>
+      <p:pic>
+        <p:nvPicPr>
+          <p:cNvPr id="5" name="Picture 4" descr="Chart, histogram&#10;&#10;Description automatically generated">
+            <a:extLst>
+              <a:ext uri="{FF2B5EF4-FFF2-40B4-BE49-F238E27FC236}">
+                <a16:creationId xmlns:a16="http://schemas.microsoft.com/office/drawing/2014/main" id="{8273FD64-1589-D7AB-0DC0-43BF20DD199E}"/>
+              </a:ext>
+            </a:extLst>
+          </p:cNvPr>
+          <p:cNvPicPr>
+            <a:picLocks noChangeAspect="1"/>
+          </p:cNvPicPr>
+          <p:nvPr/>
+        </p:nvPicPr>
+        <p:blipFill>
+          <a:blip r:embed="rId5">
+            <a:extLst>
+              <a:ext uri="{28A0092B-C50C-407E-A947-70E740481C1C}">
+                <a14:useLocalDpi xmlns:a14="http://schemas.microsoft.com/office/drawing/2010/main" val="0"/>
+              </a:ext>
+            </a:extLst>
+          </a:blip>
+          <a:stretch>
+            <a:fillRect/>
+          </a:stretch>
+        </p:blipFill>
+        <p:spPr>
+          <a:xfrm>
+            <a:off x="482553" y="1922712"/>
+            <a:ext cx="7601131" cy="4351628"/>
+          </a:xfrm>
+          <a:prstGeom prst="rect">
+            <a:avLst/>
+          </a:prstGeom>
+        </p:spPr>
+      </p:pic>
       <p:sp>
         <p:nvSpPr>
-          <p:cNvPr id="4" name="Rectangle: Diagonal Corners Rounded 3">
+          <p:cNvPr id="6" name="Rectangle: Diagonal Corners Rounded 5">
             <a:extLst>
               <a:ext uri="{FF2B5EF4-FFF2-40B4-BE49-F238E27FC236}">
-                <a16:creationId xmlns:a16="http://schemas.microsoft.com/office/drawing/2014/main" id="{575AB140-9F4B-5912-0EDB-3154CBC0E4D3}"/>
+                <a16:creationId xmlns:a16="http://schemas.microsoft.com/office/drawing/2014/main" id="{77CC2754-93E2-3A7F-43C0-C9FE111AF118}"/>
               </a:ext>
             </a:extLst>
           </p:cNvPr>
@@ -12315,22 +13377,18 @@
         </p:nvSpPr>
         <p:spPr>
           <a:xfrm>
-            <a:off x="838200" y="1437906"/>
-            <a:ext cx="7423097" cy="1107947"/>
+            <a:off x="8331466" y="2425359"/>
+            <a:ext cx="3127718" cy="558609"/>
           </a:xfrm>
           <a:prstGeom prst="round2DiagRect">
             <a:avLst/>
           </a:prstGeom>
           <a:solidFill>
-            <a:schemeClr val="bg1">
-              <a:lumMod val="65000"/>
+            <a:schemeClr val="accent1">
+              <a:lumMod val="20000"/>
+              <a:lumOff val="80000"/>
             </a:schemeClr>
           </a:solidFill>
-          <a:ln>
-            <a:solidFill>
-              <a:schemeClr val="bg2"/>
-            </a:solidFill>
-          </a:ln>
         </p:spPr>
         <p:style>
           <a:lnRef idx="2">
@@ -12349,134 +13407,36 @@
           </a:fontRef>
         </p:style>
         <p:txBody>
-          <a:bodyPr rtlCol="0" anchor="ctr"/>
+          <a:bodyPr vert="horz" lIns="91440" tIns="45720" rIns="91440" bIns="45720" rtlCol="0" anchor="ctr">
+            <a:normAutofit fontScale="62500" lnSpcReduction="20000"/>
+          </a:bodyPr>
           <a:lstStyle/>
           <a:p>
-            <a:pPr algn="ctr"/>
-            <a:endParaRPr lang="en-GB" dirty="0"/>
-          </a:p>
-        </p:txBody>
-      </p:sp>
-      <p:sp>
-        <p:nvSpPr>
-          <p:cNvPr id="5" name="Rectangle: Diagonal Corners Rounded 4">
-            <a:extLst>
-              <a:ext uri="{FF2B5EF4-FFF2-40B4-BE49-F238E27FC236}">
-                <a16:creationId xmlns:a16="http://schemas.microsoft.com/office/drawing/2014/main" id="{D9243B81-D926-83E5-9AB0-86F162A9A5BC}"/>
-              </a:ext>
-            </a:extLst>
-          </p:cNvPr>
-          <p:cNvSpPr/>
-          <p:nvPr/>
-        </p:nvSpPr>
-        <p:spPr>
-          <a:xfrm>
-            <a:off x="1255433" y="2545853"/>
-            <a:ext cx="7423097" cy="1107947"/>
-          </a:xfrm>
-          <a:prstGeom prst="round2DiagRect">
-            <a:avLst/>
-          </a:prstGeom>
-          <a:solidFill>
-            <a:schemeClr val="bg1">
-              <a:lumMod val="65000"/>
-            </a:schemeClr>
-          </a:solidFill>
-          <a:ln>
-            <a:solidFill>
-              <a:schemeClr val="bg2"/>
-            </a:solidFill>
-          </a:ln>
-        </p:spPr>
-        <p:style>
-          <a:lnRef idx="2">
-            <a:schemeClr val="accent1">
-              <a:shade val="50000"/>
-            </a:schemeClr>
-          </a:lnRef>
-          <a:fillRef idx="1">
-            <a:schemeClr val="accent1"/>
-          </a:fillRef>
-          <a:effectRef idx="0">
-            <a:schemeClr val="accent1"/>
-          </a:effectRef>
-          <a:fontRef idx="minor">
-            <a:schemeClr val="lt1"/>
-          </a:fontRef>
-        </p:style>
-        <p:txBody>
-          <a:bodyPr rtlCol="0" anchor="ctr"/>
-          <a:lstStyle/>
-          <a:p>
-            <a:pPr algn="ctr"/>
+            <a:pPr indent="-228600">
+              <a:lnSpc>
+                <a:spcPct val="90000"/>
+              </a:lnSpc>
+              <a:spcAft>
+                <a:spcPts val="600"/>
+              </a:spcAft>
+              <a:buFont typeface="Arial" panose="020B0604020202020204" pitchFamily="34" charset="0"/>
+              <a:buChar char="•"/>
+            </a:pPr>
             <a:r>
-              <a:rPr lang="en-US" dirty="0"/>
-              <a:t> </a:t>
+              <a:rPr lang="en-US" sz="2000" dirty="0">
+                <a:solidFill>
+                  <a:schemeClr val="tx1"/>
+                </a:solidFill>
+              </a:rPr>
+              <a:t>A score of 7 is the average rating for the most studios as depicted by the data.</a:t>
             </a:r>
-            <a:endParaRPr lang="en-GB" dirty="0"/>
-          </a:p>
-        </p:txBody>
-      </p:sp>
-      <p:sp>
-        <p:nvSpPr>
-          <p:cNvPr id="6" name="Rectangle: Diagonal Corners Rounded 5">
-            <a:extLst>
-              <a:ext uri="{FF2B5EF4-FFF2-40B4-BE49-F238E27FC236}">
-                <a16:creationId xmlns:a16="http://schemas.microsoft.com/office/drawing/2014/main" id="{49694D20-5FCF-F0F0-A9D2-D8118C4A7054}"/>
-              </a:ext>
-            </a:extLst>
-          </p:cNvPr>
-          <p:cNvSpPr/>
-          <p:nvPr/>
-        </p:nvSpPr>
-        <p:spPr>
-          <a:xfrm>
-            <a:off x="1834273" y="3653800"/>
-            <a:ext cx="7423097" cy="1107947"/>
-          </a:xfrm>
-          <a:prstGeom prst="round2DiagRect">
-            <a:avLst/>
-          </a:prstGeom>
-          <a:solidFill>
-            <a:schemeClr val="bg1">
-              <a:lumMod val="65000"/>
-            </a:schemeClr>
-          </a:solidFill>
-          <a:ln>
-            <a:solidFill>
-              <a:schemeClr val="bg2"/>
-            </a:solidFill>
-          </a:ln>
-        </p:spPr>
-        <p:style>
-          <a:lnRef idx="2">
-            <a:schemeClr val="accent1">
-              <a:shade val="50000"/>
-            </a:schemeClr>
-          </a:lnRef>
-          <a:fillRef idx="1">
-            <a:schemeClr val="accent1"/>
-          </a:fillRef>
-          <a:effectRef idx="0">
-            <a:schemeClr val="accent1"/>
-          </a:effectRef>
-          <a:fontRef idx="minor">
-            <a:schemeClr val="lt1"/>
-          </a:fontRef>
-        </p:style>
-        <p:txBody>
-          <a:bodyPr rtlCol="0" anchor="ctr"/>
-          <a:lstStyle/>
-          <a:p>
-            <a:pPr algn="ctr"/>
-            <a:endParaRPr lang="en-GB" dirty="0"/>
           </a:p>
         </p:txBody>
       </p:sp>
     </p:spTree>
     <p:extLst>
       <p:ext uri="{BB962C8B-B14F-4D97-AF65-F5344CB8AC3E}">
-        <p14:creationId xmlns:p14="http://schemas.microsoft.com/office/powerpoint/2010/main" val="3969540005"/>
+        <p14:creationId xmlns:p14="http://schemas.microsoft.com/office/powerpoint/2010/main" val="3269155385"/>
       </p:ext>
     </p:extLst>
   </p:cSld>
@@ -12484,6 +13444,997 @@
     <a:masterClrMapping/>
   </p:clrMapOvr>
 </p:sld>
+</file>
+
+<file path=ppt/slides/slide9.xml><?xml version="1.0" encoding="utf-8"?>
+<p:sld xmlns:a="http://schemas.openxmlformats.org/drawingml/2006/main" xmlns:r="http://schemas.openxmlformats.org/officeDocument/2006/relationships" xmlns:p="http://schemas.openxmlformats.org/presentationml/2006/main">
+  <p:cSld>
+    <p:spTree>
+      <p:nvGrpSpPr>
+        <p:cNvPr id="1" name=""/>
+        <p:cNvGrpSpPr/>
+        <p:nvPr/>
+      </p:nvGrpSpPr>
+      <p:grpSpPr>
+        <a:xfrm>
+          <a:off x="0" y="0"/>
+          <a:ext cx="0" cy="0"/>
+          <a:chOff x="0" y="0"/>
+          <a:chExt cx="0" cy="0"/>
+        </a:xfrm>
+      </p:grpSpPr>
+      <p:graphicFrame>
+        <p:nvGraphicFramePr>
+          <p:cNvPr id="6" name="Object 5" hidden="1">
+            <a:extLst>
+              <a:ext uri="{FF2B5EF4-FFF2-40B4-BE49-F238E27FC236}">
+                <a16:creationId xmlns:a16="http://schemas.microsoft.com/office/drawing/2014/main" id="{EFF63BB7-BED5-027F-28A5-B45F4A7E907B}"/>
+              </a:ext>
+            </a:extLst>
+          </p:cNvPr>
+          <p:cNvGraphicFramePr>
+            <a:graphicFrameLocks noChangeAspect="1"/>
+          </p:cNvGraphicFramePr>
+          <p:nvPr>
+            <p:custDataLst>
+              <p:tags r:id="rId1"/>
+            </p:custDataLst>
+            <p:extLst>
+              <p:ext uri="{D42A27DB-BD31-4B8C-83A1-F6EECF244321}">
+                <p14:modId xmlns:p14="http://schemas.microsoft.com/office/powerpoint/2010/main" val="1555273161"/>
+              </p:ext>
+            </p:extLst>
+          </p:nvPr>
+        </p:nvGraphicFramePr>
+        <p:xfrm>
+          <a:off x="1588" y="1588"/>
+          <a:ext cx="1588" cy="1588"/>
+        </p:xfrm>
+        <a:graphic>
+          <a:graphicData uri="http://schemas.openxmlformats.org/presentationml/2006/ole">
+            <mc:AlternateContent xmlns:mc="http://schemas.openxmlformats.org/markup-compatibility/2006">
+              <mc:Choice xmlns:v="urn:schemas-microsoft-com:vml" Requires="v">
+                <p:oleObj name="think-cell Slide" r:id="rId3" imgW="592" imgH="591" progId="TCLayout.ActiveDocument.1">
+                  <p:embed/>
+                </p:oleObj>
+              </mc:Choice>
+              <mc:Fallback>
+                <p:oleObj name="think-cell Slide" r:id="rId3" imgW="592" imgH="591" progId="TCLayout.ActiveDocument.1">
+                  <p:embed/>
+                  <p:pic>
+                    <p:nvPicPr>
+                      <p:cNvPr id="0" name=""/>
+                      <p:cNvPicPr/>
+                      <p:nvPr/>
+                    </p:nvPicPr>
+                    <p:blipFill>
+                      <a:blip r:embed="rId4"/>
+                      <a:stretch>
+                        <a:fillRect/>
+                      </a:stretch>
+                    </p:blipFill>
+                    <p:spPr>
+                      <a:xfrm>
+                        <a:off x="1588" y="1588"/>
+                        <a:ext cx="1588" cy="1588"/>
+                      </a:xfrm>
+                      <a:prstGeom prst="rect">
+                        <a:avLst/>
+                      </a:prstGeom>
+                    </p:spPr>
+                  </p:pic>
+                </p:oleObj>
+              </mc:Fallback>
+            </mc:AlternateContent>
+          </a:graphicData>
+        </a:graphic>
+      </p:graphicFrame>
+      <p:sp>
+        <p:nvSpPr>
+          <p:cNvPr id="2" name="Title 1">
+            <a:extLst>
+              <a:ext uri="{FF2B5EF4-FFF2-40B4-BE49-F238E27FC236}">
+                <a16:creationId xmlns:a16="http://schemas.microsoft.com/office/drawing/2014/main" id="{9560F6CB-7D21-4584-2558-AD577496535F}"/>
+              </a:ext>
+            </a:extLst>
+          </p:cNvPr>
+          <p:cNvSpPr>
+            <a:spLocks noGrp="1"/>
+          </p:cNvSpPr>
+          <p:nvPr>
+            <p:ph type="title"/>
+          </p:nvPr>
+        </p:nvSpPr>
+        <p:spPr>
+          <a:xfrm>
+            <a:off x="838200" y="365126"/>
+            <a:ext cx="10515600" cy="402626"/>
+          </a:xfrm>
+        </p:spPr>
+        <p:txBody>
+          <a:bodyPr vert="horz">
+            <a:normAutofit fontScale="90000"/>
+          </a:bodyPr>
+          <a:lstStyle/>
+          <a:p>
+            <a:r>
+              <a:rPr lang="en-GB" dirty="0"/>
+              <a:t>Average runtime in minutes</a:t>
+            </a:r>
+          </a:p>
+        </p:txBody>
+      </p:sp>
+      <p:graphicFrame>
+        <p:nvGraphicFramePr>
+          <p:cNvPr id="4" name="Table 3">
+            <a:extLst>
+              <a:ext uri="{FF2B5EF4-FFF2-40B4-BE49-F238E27FC236}">
+                <a16:creationId xmlns:a16="http://schemas.microsoft.com/office/drawing/2014/main" id="{31CB22E4-5015-51DB-54CB-9C63A78077DA}"/>
+              </a:ext>
+            </a:extLst>
+          </p:cNvPr>
+          <p:cNvGraphicFramePr>
+            <a:graphicFrameLocks noGrp="1"/>
+          </p:cNvGraphicFramePr>
+          <p:nvPr>
+            <p:extLst>
+              <p:ext uri="{D42A27DB-BD31-4B8C-83A1-F6EECF244321}">
+                <p14:modId xmlns:p14="http://schemas.microsoft.com/office/powerpoint/2010/main" val="1806504982"/>
+              </p:ext>
+            </p:extLst>
+          </p:nvPr>
+        </p:nvGraphicFramePr>
+        <p:xfrm>
+          <a:off x="777815" y="1182181"/>
+          <a:ext cx="9082176" cy="3291840"/>
+        </p:xfrm>
+        <a:graphic>
+          <a:graphicData uri="http://schemas.openxmlformats.org/drawingml/2006/table">
+            <a:tbl>
+              <a:tblPr/>
+              <a:tblGrid>
+                <a:gridCol w="3027392">
+                  <a:extLst>
+                    <a:ext uri="{9D8B030D-6E8A-4147-A177-3AD203B41FA5}">
+                      <a16:colId xmlns:a16="http://schemas.microsoft.com/office/drawing/2014/main" val="3208621736"/>
+                    </a:ext>
+                  </a:extLst>
+                </a:gridCol>
+                <a:gridCol w="3027392">
+                  <a:extLst>
+                    <a:ext uri="{9D8B030D-6E8A-4147-A177-3AD203B41FA5}">
+                      <a16:colId xmlns:a16="http://schemas.microsoft.com/office/drawing/2014/main" val="2498405470"/>
+                    </a:ext>
+                  </a:extLst>
+                </a:gridCol>
+                <a:gridCol w="3027392">
+                  <a:extLst>
+                    <a:ext uri="{9D8B030D-6E8A-4147-A177-3AD203B41FA5}">
+                      <a16:colId xmlns:a16="http://schemas.microsoft.com/office/drawing/2014/main" val="1720355899"/>
+                    </a:ext>
+                  </a:extLst>
+                </a:gridCol>
+              </a:tblGrid>
+              <a:tr h="339265">
+                <a:tc>
+                  <a:txBody>
+                    <a:bodyPr/>
+                    <a:lstStyle/>
+                    <a:p>
+                      <a:endParaRPr lang="en-GB"/>
+                    </a:p>
+                  </a:txBody>
+                  <a:tcPr anchor="ctr">
+                    <a:lnL>
+                      <a:noFill/>
+                    </a:lnL>
+                    <a:lnR>
+                      <a:noFill/>
+                    </a:lnR>
+                    <a:lnT>
+                      <a:noFill/>
+                    </a:lnT>
+                    <a:lnB>
+                      <a:noFill/>
+                    </a:lnB>
+                  </a:tcPr>
+                </a:tc>
+                <a:tc>
+                  <a:txBody>
+                    <a:bodyPr/>
+                    <a:lstStyle/>
+                    <a:p>
+                      <a:r>
+                        <a:rPr lang="en-GB" dirty="0" err="1"/>
+                        <a:t>start_year</a:t>
+                      </a:r>
+                      <a:endParaRPr lang="en-GB" dirty="0"/>
+                    </a:p>
+                  </a:txBody>
+                  <a:tcPr anchor="ctr">
+                    <a:lnL>
+                      <a:noFill/>
+                    </a:lnL>
+                    <a:lnR>
+                      <a:noFill/>
+                    </a:lnR>
+                    <a:lnT>
+                      <a:noFill/>
+                    </a:lnT>
+                    <a:lnB>
+                      <a:noFill/>
+                    </a:lnB>
+                  </a:tcPr>
+                </a:tc>
+                <a:tc>
+                  <a:txBody>
+                    <a:bodyPr/>
+                    <a:lstStyle/>
+                    <a:p>
+                      <a:r>
+                        <a:rPr lang="en-GB"/>
+                        <a:t>runtime_minutes</a:t>
+                      </a:r>
+                    </a:p>
+                  </a:txBody>
+                  <a:tcPr anchor="ctr">
+                    <a:lnL>
+                      <a:noFill/>
+                    </a:lnL>
+                    <a:lnR>
+                      <a:noFill/>
+                    </a:lnR>
+                    <a:lnT>
+                      <a:noFill/>
+                    </a:lnT>
+                    <a:lnB>
+                      <a:noFill/>
+                    </a:lnB>
+                  </a:tcPr>
+                </a:tc>
+                <a:extLst>
+                  <a:ext uri="{0D108BD9-81ED-4DB2-BD59-A6C34878D82A}">
+                    <a16:rowId xmlns:a16="http://schemas.microsoft.com/office/drawing/2014/main" val="2337496965"/>
+                  </a:ext>
+                </a:extLst>
+              </a:tr>
+              <a:tr h="339265">
+                <a:tc>
+                  <a:txBody>
+                    <a:bodyPr/>
+                    <a:lstStyle/>
+                    <a:p>
+                      <a:r>
+                        <a:rPr lang="en-GB"/>
+                        <a:t>count</a:t>
+                      </a:r>
+                    </a:p>
+                  </a:txBody>
+                  <a:tcPr anchor="ctr">
+                    <a:lnL>
+                      <a:noFill/>
+                    </a:lnL>
+                    <a:lnR>
+                      <a:noFill/>
+                    </a:lnR>
+                    <a:lnT>
+                      <a:noFill/>
+                    </a:lnT>
+                    <a:lnB>
+                      <a:noFill/>
+                    </a:lnB>
+                  </a:tcPr>
+                </a:tc>
+                <a:tc>
+                  <a:txBody>
+                    <a:bodyPr/>
+                    <a:lstStyle/>
+                    <a:p>
+                      <a:r>
+                        <a:rPr lang="en-GB"/>
+                        <a:t>146144.000000</a:t>
+                      </a:r>
+                    </a:p>
+                  </a:txBody>
+                  <a:tcPr anchor="ctr">
+                    <a:lnL>
+                      <a:noFill/>
+                    </a:lnL>
+                    <a:lnR>
+                      <a:noFill/>
+                    </a:lnR>
+                    <a:lnT>
+                      <a:noFill/>
+                    </a:lnT>
+                    <a:lnB>
+                      <a:noFill/>
+                    </a:lnB>
+                  </a:tcPr>
+                </a:tc>
+                <a:tc>
+                  <a:txBody>
+                    <a:bodyPr/>
+                    <a:lstStyle/>
+                    <a:p>
+                      <a:r>
+                        <a:rPr lang="en-GB"/>
+                        <a:t>114405.000000</a:t>
+                      </a:r>
+                    </a:p>
+                  </a:txBody>
+                  <a:tcPr anchor="ctr">
+                    <a:lnL>
+                      <a:noFill/>
+                    </a:lnL>
+                    <a:lnR>
+                      <a:noFill/>
+                    </a:lnR>
+                    <a:lnT>
+                      <a:noFill/>
+                    </a:lnT>
+                    <a:lnB>
+                      <a:noFill/>
+                    </a:lnB>
+                  </a:tcPr>
+                </a:tc>
+                <a:extLst>
+                  <a:ext uri="{0D108BD9-81ED-4DB2-BD59-A6C34878D82A}">
+                    <a16:rowId xmlns:a16="http://schemas.microsoft.com/office/drawing/2014/main" val="2941174520"/>
+                  </a:ext>
+                </a:extLst>
+              </a:tr>
+              <a:tr h="339265">
+                <a:tc>
+                  <a:txBody>
+                    <a:bodyPr/>
+                    <a:lstStyle/>
+                    <a:p>
+                      <a:r>
+                        <a:rPr lang="en-GB" dirty="0"/>
+                        <a:t>mean</a:t>
+                      </a:r>
+                    </a:p>
+                  </a:txBody>
+                  <a:tcPr anchor="ctr">
+                    <a:lnL>
+                      <a:noFill/>
+                    </a:lnL>
+                    <a:lnR>
+                      <a:noFill/>
+                    </a:lnR>
+                    <a:lnT>
+                      <a:noFill/>
+                    </a:lnT>
+                    <a:lnB>
+                      <a:noFill/>
+                    </a:lnB>
+                  </a:tcPr>
+                </a:tc>
+                <a:tc>
+                  <a:txBody>
+                    <a:bodyPr/>
+                    <a:lstStyle/>
+                    <a:p>
+                      <a:r>
+                        <a:rPr lang="en-GB" dirty="0"/>
+                        <a:t>2014.621798</a:t>
+                      </a:r>
+                    </a:p>
+                  </a:txBody>
+                  <a:tcPr anchor="ctr">
+                    <a:lnL>
+                      <a:noFill/>
+                    </a:lnL>
+                    <a:lnR>
+                      <a:noFill/>
+                    </a:lnR>
+                    <a:lnT>
+                      <a:noFill/>
+                    </a:lnT>
+                    <a:lnB>
+                      <a:noFill/>
+                    </a:lnB>
+                  </a:tcPr>
+                </a:tc>
+                <a:tc>
+                  <a:txBody>
+                    <a:bodyPr/>
+                    <a:lstStyle/>
+                    <a:p>
+                      <a:r>
+                        <a:rPr lang="en-GB"/>
+                        <a:t>86.187247</a:t>
+                      </a:r>
+                    </a:p>
+                  </a:txBody>
+                  <a:tcPr anchor="ctr">
+                    <a:lnL>
+                      <a:noFill/>
+                    </a:lnL>
+                    <a:lnR>
+                      <a:noFill/>
+                    </a:lnR>
+                    <a:lnT>
+                      <a:noFill/>
+                    </a:lnT>
+                    <a:lnB>
+                      <a:noFill/>
+                    </a:lnB>
+                  </a:tcPr>
+                </a:tc>
+                <a:extLst>
+                  <a:ext uri="{0D108BD9-81ED-4DB2-BD59-A6C34878D82A}">
+                    <a16:rowId xmlns:a16="http://schemas.microsoft.com/office/drawing/2014/main" val="4049165436"/>
+                  </a:ext>
+                </a:extLst>
+              </a:tr>
+              <a:tr h="339265">
+                <a:tc>
+                  <a:txBody>
+                    <a:bodyPr/>
+                    <a:lstStyle/>
+                    <a:p>
+                      <a:r>
+                        <a:rPr lang="en-GB"/>
+                        <a:t>std</a:t>
+                      </a:r>
+                    </a:p>
+                  </a:txBody>
+                  <a:tcPr anchor="ctr">
+                    <a:lnL>
+                      <a:noFill/>
+                    </a:lnL>
+                    <a:lnR>
+                      <a:noFill/>
+                    </a:lnR>
+                    <a:lnT>
+                      <a:noFill/>
+                    </a:lnT>
+                    <a:lnB>
+                      <a:noFill/>
+                    </a:lnB>
+                  </a:tcPr>
+                </a:tc>
+                <a:tc>
+                  <a:txBody>
+                    <a:bodyPr/>
+                    <a:lstStyle/>
+                    <a:p>
+                      <a:r>
+                        <a:rPr lang="en-GB"/>
+                        <a:t>2.733583</a:t>
+                      </a:r>
+                    </a:p>
+                  </a:txBody>
+                  <a:tcPr anchor="ctr">
+                    <a:lnL>
+                      <a:noFill/>
+                    </a:lnL>
+                    <a:lnR>
+                      <a:noFill/>
+                    </a:lnR>
+                    <a:lnT>
+                      <a:noFill/>
+                    </a:lnT>
+                    <a:lnB>
+                      <a:noFill/>
+                    </a:lnB>
+                  </a:tcPr>
+                </a:tc>
+                <a:tc>
+                  <a:txBody>
+                    <a:bodyPr/>
+                    <a:lstStyle/>
+                    <a:p>
+                      <a:r>
+                        <a:rPr lang="en-GB"/>
+                        <a:t>166.360590</a:t>
+                      </a:r>
+                    </a:p>
+                  </a:txBody>
+                  <a:tcPr anchor="ctr">
+                    <a:lnL>
+                      <a:noFill/>
+                    </a:lnL>
+                    <a:lnR>
+                      <a:noFill/>
+                    </a:lnR>
+                    <a:lnT>
+                      <a:noFill/>
+                    </a:lnT>
+                    <a:lnB>
+                      <a:noFill/>
+                    </a:lnB>
+                  </a:tcPr>
+                </a:tc>
+                <a:extLst>
+                  <a:ext uri="{0D108BD9-81ED-4DB2-BD59-A6C34878D82A}">
+                    <a16:rowId xmlns:a16="http://schemas.microsoft.com/office/drawing/2014/main" val="3775392754"/>
+                  </a:ext>
+                </a:extLst>
+              </a:tr>
+              <a:tr h="339265">
+                <a:tc>
+                  <a:txBody>
+                    <a:bodyPr/>
+                    <a:lstStyle/>
+                    <a:p>
+                      <a:r>
+                        <a:rPr lang="en-GB"/>
+                        <a:t>min</a:t>
+                      </a:r>
+                    </a:p>
+                  </a:txBody>
+                  <a:tcPr anchor="ctr">
+                    <a:lnL>
+                      <a:noFill/>
+                    </a:lnL>
+                    <a:lnR>
+                      <a:noFill/>
+                    </a:lnR>
+                    <a:lnT>
+                      <a:noFill/>
+                    </a:lnT>
+                    <a:lnB>
+                      <a:noFill/>
+                    </a:lnB>
+                  </a:tcPr>
+                </a:tc>
+                <a:tc>
+                  <a:txBody>
+                    <a:bodyPr/>
+                    <a:lstStyle/>
+                    <a:p>
+                      <a:r>
+                        <a:rPr lang="en-GB"/>
+                        <a:t>2010.000000</a:t>
+                      </a:r>
+                    </a:p>
+                  </a:txBody>
+                  <a:tcPr anchor="ctr">
+                    <a:lnL>
+                      <a:noFill/>
+                    </a:lnL>
+                    <a:lnR>
+                      <a:noFill/>
+                    </a:lnR>
+                    <a:lnT>
+                      <a:noFill/>
+                    </a:lnT>
+                    <a:lnB>
+                      <a:noFill/>
+                    </a:lnB>
+                  </a:tcPr>
+                </a:tc>
+                <a:tc>
+                  <a:txBody>
+                    <a:bodyPr/>
+                    <a:lstStyle/>
+                    <a:p>
+                      <a:r>
+                        <a:rPr lang="en-GB"/>
+                        <a:t>1.000000</a:t>
+                      </a:r>
+                    </a:p>
+                  </a:txBody>
+                  <a:tcPr anchor="ctr">
+                    <a:lnL>
+                      <a:noFill/>
+                    </a:lnL>
+                    <a:lnR>
+                      <a:noFill/>
+                    </a:lnR>
+                    <a:lnT>
+                      <a:noFill/>
+                    </a:lnT>
+                    <a:lnB>
+                      <a:noFill/>
+                    </a:lnB>
+                  </a:tcPr>
+                </a:tc>
+                <a:extLst>
+                  <a:ext uri="{0D108BD9-81ED-4DB2-BD59-A6C34878D82A}">
+                    <a16:rowId xmlns:a16="http://schemas.microsoft.com/office/drawing/2014/main" val="1407500668"/>
+                  </a:ext>
+                </a:extLst>
+              </a:tr>
+              <a:tr h="339265">
+                <a:tc>
+                  <a:txBody>
+                    <a:bodyPr/>
+                    <a:lstStyle/>
+                    <a:p>
+                      <a:r>
+                        <a:rPr lang="en-GB"/>
+                        <a:t>25%</a:t>
+                      </a:r>
+                    </a:p>
+                  </a:txBody>
+                  <a:tcPr anchor="ctr">
+                    <a:lnL>
+                      <a:noFill/>
+                    </a:lnL>
+                    <a:lnR>
+                      <a:noFill/>
+                    </a:lnR>
+                    <a:lnT>
+                      <a:noFill/>
+                    </a:lnT>
+                    <a:lnB>
+                      <a:noFill/>
+                    </a:lnB>
+                  </a:tcPr>
+                </a:tc>
+                <a:tc>
+                  <a:txBody>
+                    <a:bodyPr/>
+                    <a:lstStyle/>
+                    <a:p>
+                      <a:r>
+                        <a:rPr lang="en-GB"/>
+                        <a:t>2012.000000</a:t>
+                      </a:r>
+                    </a:p>
+                  </a:txBody>
+                  <a:tcPr anchor="ctr">
+                    <a:lnL>
+                      <a:noFill/>
+                    </a:lnL>
+                    <a:lnR>
+                      <a:noFill/>
+                    </a:lnR>
+                    <a:lnT>
+                      <a:noFill/>
+                    </a:lnT>
+                    <a:lnB>
+                      <a:noFill/>
+                    </a:lnB>
+                  </a:tcPr>
+                </a:tc>
+                <a:tc>
+                  <a:txBody>
+                    <a:bodyPr/>
+                    <a:lstStyle/>
+                    <a:p>
+                      <a:r>
+                        <a:rPr lang="en-GB"/>
+                        <a:t>70.000000</a:t>
+                      </a:r>
+                    </a:p>
+                  </a:txBody>
+                  <a:tcPr anchor="ctr">
+                    <a:lnL>
+                      <a:noFill/>
+                    </a:lnL>
+                    <a:lnR>
+                      <a:noFill/>
+                    </a:lnR>
+                    <a:lnT>
+                      <a:noFill/>
+                    </a:lnT>
+                    <a:lnB>
+                      <a:noFill/>
+                    </a:lnB>
+                  </a:tcPr>
+                </a:tc>
+                <a:extLst>
+                  <a:ext uri="{0D108BD9-81ED-4DB2-BD59-A6C34878D82A}">
+                    <a16:rowId xmlns:a16="http://schemas.microsoft.com/office/drawing/2014/main" val="405420313"/>
+                  </a:ext>
+                </a:extLst>
+              </a:tr>
+              <a:tr h="339265">
+                <a:tc>
+                  <a:txBody>
+                    <a:bodyPr/>
+                    <a:lstStyle/>
+                    <a:p>
+                      <a:r>
+                        <a:rPr lang="en-GB"/>
+                        <a:t>50%</a:t>
+                      </a:r>
+                    </a:p>
+                  </a:txBody>
+                  <a:tcPr anchor="ctr">
+                    <a:lnL>
+                      <a:noFill/>
+                    </a:lnL>
+                    <a:lnR>
+                      <a:noFill/>
+                    </a:lnR>
+                    <a:lnT>
+                      <a:noFill/>
+                    </a:lnT>
+                    <a:lnB>
+                      <a:noFill/>
+                    </a:lnB>
+                  </a:tcPr>
+                </a:tc>
+                <a:tc>
+                  <a:txBody>
+                    <a:bodyPr/>
+                    <a:lstStyle/>
+                    <a:p>
+                      <a:r>
+                        <a:rPr lang="en-GB"/>
+                        <a:t>2015.000000</a:t>
+                      </a:r>
+                    </a:p>
+                  </a:txBody>
+                  <a:tcPr anchor="ctr">
+                    <a:lnL>
+                      <a:noFill/>
+                    </a:lnL>
+                    <a:lnR>
+                      <a:noFill/>
+                    </a:lnR>
+                    <a:lnT>
+                      <a:noFill/>
+                    </a:lnT>
+                    <a:lnB>
+                      <a:noFill/>
+                    </a:lnB>
+                  </a:tcPr>
+                </a:tc>
+                <a:tc>
+                  <a:txBody>
+                    <a:bodyPr/>
+                    <a:lstStyle/>
+                    <a:p>
+                      <a:r>
+                        <a:rPr lang="en-GB"/>
+                        <a:t>87.000000</a:t>
+                      </a:r>
+                    </a:p>
+                  </a:txBody>
+                  <a:tcPr anchor="ctr">
+                    <a:lnL>
+                      <a:noFill/>
+                    </a:lnL>
+                    <a:lnR>
+                      <a:noFill/>
+                    </a:lnR>
+                    <a:lnT>
+                      <a:noFill/>
+                    </a:lnT>
+                    <a:lnB>
+                      <a:noFill/>
+                    </a:lnB>
+                  </a:tcPr>
+                </a:tc>
+                <a:extLst>
+                  <a:ext uri="{0D108BD9-81ED-4DB2-BD59-A6C34878D82A}">
+                    <a16:rowId xmlns:a16="http://schemas.microsoft.com/office/drawing/2014/main" val="140881377"/>
+                  </a:ext>
+                </a:extLst>
+              </a:tr>
+              <a:tr h="339265">
+                <a:tc>
+                  <a:txBody>
+                    <a:bodyPr/>
+                    <a:lstStyle/>
+                    <a:p>
+                      <a:r>
+                        <a:rPr lang="en-GB"/>
+                        <a:t>75%</a:t>
+                      </a:r>
+                    </a:p>
+                  </a:txBody>
+                  <a:tcPr anchor="ctr">
+                    <a:lnL>
+                      <a:noFill/>
+                    </a:lnL>
+                    <a:lnR>
+                      <a:noFill/>
+                    </a:lnR>
+                    <a:lnT>
+                      <a:noFill/>
+                    </a:lnT>
+                    <a:lnB>
+                      <a:noFill/>
+                    </a:lnB>
+                  </a:tcPr>
+                </a:tc>
+                <a:tc>
+                  <a:txBody>
+                    <a:bodyPr/>
+                    <a:lstStyle/>
+                    <a:p>
+                      <a:r>
+                        <a:rPr lang="en-GB"/>
+                        <a:t>2017.000000</a:t>
+                      </a:r>
+                    </a:p>
+                  </a:txBody>
+                  <a:tcPr anchor="ctr">
+                    <a:lnL>
+                      <a:noFill/>
+                    </a:lnL>
+                    <a:lnR>
+                      <a:noFill/>
+                    </a:lnR>
+                    <a:lnT>
+                      <a:noFill/>
+                    </a:lnT>
+                    <a:lnB>
+                      <a:noFill/>
+                    </a:lnB>
+                  </a:tcPr>
+                </a:tc>
+                <a:tc>
+                  <a:txBody>
+                    <a:bodyPr/>
+                    <a:lstStyle/>
+                    <a:p>
+                      <a:r>
+                        <a:rPr lang="en-GB"/>
+                        <a:t>99.000000</a:t>
+                      </a:r>
+                    </a:p>
+                  </a:txBody>
+                  <a:tcPr anchor="ctr">
+                    <a:lnL>
+                      <a:noFill/>
+                    </a:lnL>
+                    <a:lnR>
+                      <a:noFill/>
+                    </a:lnR>
+                    <a:lnT>
+                      <a:noFill/>
+                    </a:lnT>
+                    <a:lnB>
+                      <a:noFill/>
+                    </a:lnB>
+                  </a:tcPr>
+                </a:tc>
+                <a:extLst>
+                  <a:ext uri="{0D108BD9-81ED-4DB2-BD59-A6C34878D82A}">
+                    <a16:rowId xmlns:a16="http://schemas.microsoft.com/office/drawing/2014/main" val="401365612"/>
+                  </a:ext>
+                </a:extLst>
+              </a:tr>
+              <a:tr h="339265">
+                <a:tc>
+                  <a:txBody>
+                    <a:bodyPr/>
+                    <a:lstStyle/>
+                    <a:p>
+                      <a:r>
+                        <a:rPr lang="en-GB"/>
+                        <a:t>max</a:t>
+                      </a:r>
+                    </a:p>
+                  </a:txBody>
+                  <a:tcPr anchor="ctr">
+                    <a:lnL>
+                      <a:noFill/>
+                    </a:lnL>
+                    <a:lnR>
+                      <a:noFill/>
+                    </a:lnR>
+                    <a:lnT>
+                      <a:noFill/>
+                    </a:lnT>
+                    <a:lnB>
+                      <a:noFill/>
+                    </a:lnB>
+                  </a:tcPr>
+                </a:tc>
+                <a:tc>
+                  <a:txBody>
+                    <a:bodyPr/>
+                    <a:lstStyle/>
+                    <a:p>
+                      <a:r>
+                        <a:rPr lang="en-GB"/>
+                        <a:t>2115.000000</a:t>
+                      </a:r>
+                    </a:p>
+                  </a:txBody>
+                  <a:tcPr anchor="ctr">
+                    <a:lnL>
+                      <a:noFill/>
+                    </a:lnL>
+                    <a:lnR>
+                      <a:noFill/>
+                    </a:lnR>
+                    <a:lnT>
+                      <a:noFill/>
+                    </a:lnT>
+                    <a:lnB>
+                      <a:noFill/>
+                    </a:lnB>
+                  </a:tcPr>
+                </a:tc>
+                <a:tc>
+                  <a:txBody>
+                    <a:bodyPr/>
+                    <a:lstStyle/>
+                    <a:p>
+                      <a:r>
+                        <a:rPr lang="en-GB" dirty="0"/>
+                        <a:t>51420.000000</a:t>
+                      </a:r>
+                    </a:p>
+                  </a:txBody>
+                  <a:tcPr anchor="ctr">
+                    <a:lnL>
+                      <a:noFill/>
+                    </a:lnL>
+                    <a:lnR>
+                      <a:noFill/>
+                    </a:lnR>
+                    <a:lnT>
+                      <a:noFill/>
+                    </a:lnT>
+                    <a:lnB>
+                      <a:noFill/>
+                    </a:lnB>
+                  </a:tcPr>
+                </a:tc>
+                <a:extLst>
+                  <a:ext uri="{0D108BD9-81ED-4DB2-BD59-A6C34878D82A}">
+                    <a16:rowId xmlns:a16="http://schemas.microsoft.com/office/drawing/2014/main" val="3664494585"/>
+                  </a:ext>
+                </a:extLst>
+              </a:tr>
+            </a:tbl>
+          </a:graphicData>
+        </a:graphic>
+      </p:graphicFrame>
+    </p:spTree>
+    <p:extLst>
+      <p:ext uri="{BB962C8B-B14F-4D97-AF65-F5344CB8AC3E}">
+        <p14:creationId xmlns:p14="http://schemas.microsoft.com/office/powerpoint/2010/main" val="235957673"/>
+      </p:ext>
+    </p:extLst>
+  </p:cSld>
+  <p:clrMapOvr>
+    <a:masterClrMapping/>
+  </p:clrMapOvr>
+</p:sld>
+</file>
+
+<file path=ppt/tags/tag1.xml><?xml version="1.0" encoding="utf-8"?>
+<p:tagLst xmlns:a="http://schemas.openxmlformats.org/drawingml/2006/main" xmlns:r="http://schemas.openxmlformats.org/officeDocument/2006/relationships" xmlns:p="http://schemas.openxmlformats.org/presentationml/2006/main">
+  <p:tag name="THINKCELLUNDODONOTDELETE" val="0"/>
+</p:tagLst>
+</file>
+
+<file path=ppt/tags/tag2.xml><?xml version="1.0" encoding="utf-8"?>
+<p:tagLst xmlns:a="http://schemas.openxmlformats.org/drawingml/2006/main" xmlns:r="http://schemas.openxmlformats.org/officeDocument/2006/relationships" xmlns:p="http://schemas.openxmlformats.org/presentationml/2006/main">
+  <p:tag name="THINKCELLSHAPEDONOTDELETE" val="thinkcellActiveDocDoNotDelete"/>
+</p:tagLst>
+</file>
+
+<file path=ppt/tags/tag3.xml><?xml version="1.0" encoding="utf-8"?>
+<p:tagLst xmlns:a="http://schemas.openxmlformats.org/drawingml/2006/main" xmlns:r="http://schemas.openxmlformats.org/officeDocument/2006/relationships" xmlns:p="http://schemas.openxmlformats.org/presentationml/2006/main">
+  <p:tag name="THINKCELLSHAPEDONOTDELETE" val="thinkcellActiveDocDoNotDelete"/>
+</p:tagLst>
+</file>
+
+<file path=ppt/tags/tag4.xml><?xml version="1.0" encoding="utf-8"?>
+<p:tagLst xmlns:a="http://schemas.openxmlformats.org/drawingml/2006/main" xmlns:r="http://schemas.openxmlformats.org/officeDocument/2006/relationships" xmlns:p="http://schemas.openxmlformats.org/presentationml/2006/main">
+  <p:tag name="THINKCELLSHAPEDONOTDELETE" val="thinkcellActiveDocDoNotDelete"/>
+</p:tagLst>
+</file>
+
+<file path=ppt/tags/tag5.xml><?xml version="1.0" encoding="utf-8"?>
+<p:tagLst xmlns:a="http://schemas.openxmlformats.org/drawingml/2006/main" xmlns:r="http://schemas.openxmlformats.org/officeDocument/2006/relationships" xmlns:p="http://schemas.openxmlformats.org/presentationml/2006/main">
+  <p:tag name="THINKCELLSHAPEDONOTDELETE" val="thinkcellActiveDocDoNotDelete"/>
+</p:tagLst>
+</file>
+
+<file path=ppt/tags/tag6.xml><?xml version="1.0" encoding="utf-8"?>
+<p:tagLst xmlns:a="http://schemas.openxmlformats.org/drawingml/2006/main" xmlns:r="http://schemas.openxmlformats.org/officeDocument/2006/relationships" xmlns:p="http://schemas.openxmlformats.org/presentationml/2006/main">
+  <p:tag name="THINKCELLSHAPEDONOTDELETE" val="thinkcellActiveDocDoNotDelete"/>
+</p:tagLst>
+</file>
+
+<file path=ppt/tags/tag7.xml><?xml version="1.0" encoding="utf-8"?>
+<p:tagLst xmlns:a="http://schemas.openxmlformats.org/drawingml/2006/main" xmlns:r="http://schemas.openxmlformats.org/officeDocument/2006/relationships" xmlns:p="http://schemas.openxmlformats.org/presentationml/2006/main">
+  <p:tag name="THINKCELLSHAPEDONOTDELETE" val="thinkcellActiveDocDoNotDelete"/>
+</p:tagLst>
 </file>
 
 <file path=ppt/theme/theme1.xml><?xml version="1.0" encoding="utf-8"?>
